--- a/124/NMOP/draft-netana-nmop-yang-message-broker-message-key-01.pptx
+++ b/124/NMOP/draft-netana-nmop-yang-message-broker-message-key-01.pptx
@@ -1291,7 +1291,7 @@
           <a:p>
             <a:fld id="{E5E705E9-673F-4AC4-B29E-A7B26F3B8523}" type="datetimeFigureOut">
               <a:rPr lang="de-CH" smtClean="0"/>
-              <a:t>17.10.2025</a:t>
+              <a:t>20.10.2025</a:t>
             </a:fld>
             <a:endParaRPr lang="de-CH"/>
           </a:p>
@@ -1797,7 +1797,7 @@
           <a:p>
             <a:fld id="{9E9B238C-2335-4007-98C9-471C02CC43B6}" type="datetimeFigureOut">
               <a:rPr lang="de-CH" smtClean="0"/>
-              <a:t>17.10.2025</a:t>
+              <a:t>20.10.2025</a:t>
             </a:fld>
             <a:endParaRPr lang="de-CH"/>
           </a:p>
@@ -1997,7 +1997,7 @@
           <a:p>
             <a:fld id="{9E9B238C-2335-4007-98C9-471C02CC43B6}" type="datetimeFigureOut">
               <a:rPr lang="de-CH" smtClean="0"/>
-              <a:t>17.10.2025</a:t>
+              <a:t>20.10.2025</a:t>
             </a:fld>
             <a:endParaRPr lang="de-CH"/>
           </a:p>
@@ -2207,7 +2207,7 @@
           <a:p>
             <a:fld id="{9E9B238C-2335-4007-98C9-471C02CC43B6}" type="datetimeFigureOut">
               <a:rPr lang="de-CH" smtClean="0"/>
-              <a:t>17.10.2025</a:t>
+              <a:t>20.10.2025</a:t>
             </a:fld>
             <a:endParaRPr lang="de-CH"/>
           </a:p>
@@ -3649,7 +3649,7 @@
           <a:p>
             <a:fld id="{9E9B238C-2335-4007-98C9-471C02CC43B6}" type="datetimeFigureOut">
               <a:rPr lang="de-CH" smtClean="0"/>
-              <a:t>17.10.2025</a:t>
+              <a:t>20.10.2025</a:t>
             </a:fld>
             <a:endParaRPr lang="de-CH"/>
           </a:p>
@@ -3925,7 +3925,7 @@
           <a:p>
             <a:fld id="{9E9B238C-2335-4007-98C9-471C02CC43B6}" type="datetimeFigureOut">
               <a:rPr lang="de-CH" smtClean="0"/>
-              <a:t>17.10.2025</a:t>
+              <a:t>20.10.2025</a:t>
             </a:fld>
             <a:endParaRPr lang="de-CH"/>
           </a:p>
@@ -4193,7 +4193,7 @@
           <a:p>
             <a:fld id="{9E9B238C-2335-4007-98C9-471C02CC43B6}" type="datetimeFigureOut">
               <a:rPr lang="de-CH" smtClean="0"/>
-              <a:t>17.10.2025</a:t>
+              <a:t>20.10.2025</a:t>
             </a:fld>
             <a:endParaRPr lang="de-CH"/>
           </a:p>
@@ -4608,7 +4608,7 @@
           <a:p>
             <a:fld id="{9E9B238C-2335-4007-98C9-471C02CC43B6}" type="datetimeFigureOut">
               <a:rPr lang="de-CH" smtClean="0"/>
-              <a:t>17.10.2025</a:t>
+              <a:t>20.10.2025</a:t>
             </a:fld>
             <a:endParaRPr lang="de-CH"/>
           </a:p>
@@ -4750,7 +4750,7 @@
           <a:p>
             <a:fld id="{9E9B238C-2335-4007-98C9-471C02CC43B6}" type="datetimeFigureOut">
               <a:rPr lang="de-CH" smtClean="0"/>
-              <a:t>17.10.2025</a:t>
+              <a:t>20.10.2025</a:t>
             </a:fld>
             <a:endParaRPr lang="de-CH"/>
           </a:p>
@@ -4863,7 +4863,7 @@
           <a:p>
             <a:fld id="{9E9B238C-2335-4007-98C9-471C02CC43B6}" type="datetimeFigureOut">
               <a:rPr lang="de-CH" smtClean="0"/>
-              <a:t>17.10.2025</a:t>
+              <a:t>20.10.2025</a:t>
             </a:fld>
             <a:endParaRPr lang="de-CH"/>
           </a:p>
@@ -5176,7 +5176,7 @@
           <a:p>
             <a:fld id="{9E9B238C-2335-4007-98C9-471C02CC43B6}" type="datetimeFigureOut">
               <a:rPr lang="de-CH" smtClean="0"/>
-              <a:t>17.10.2025</a:t>
+              <a:t>20.10.2025</a:t>
             </a:fld>
             <a:endParaRPr lang="de-CH"/>
           </a:p>
@@ -5465,7 +5465,7 @@
           <a:p>
             <a:fld id="{9E9B238C-2335-4007-98C9-471C02CC43B6}" type="datetimeFigureOut">
               <a:rPr lang="de-CH" smtClean="0"/>
-              <a:t>17.10.2025</a:t>
+              <a:t>20.10.2025</a:t>
             </a:fld>
             <a:endParaRPr lang="de-CH"/>
           </a:p>
@@ -5708,7 +5708,7 @@
           <a:p>
             <a:fld id="{9E9B238C-2335-4007-98C9-471C02CC43B6}" type="datetimeFigureOut">
               <a:rPr lang="de-CH" smtClean="0"/>
-              <a:t>17.10.2025</a:t>
+              <a:t>20.10.2025</a:t>
             </a:fld>
             <a:endParaRPr lang="de-CH"/>
           </a:p>
@@ -6523,7 +6523,7 @@
               <a:rPr lang="en-US" sz="1400" dirty="0">
                 <a:latin typeface="+mj-lt"/>
               </a:rPr>
-              <a:t>18. October </a:t>
+              <a:t>20. October </a:t>
             </a:r>
             <a:r>
               <a:rPr lang="en-US" sz="1400" dirty="0">
@@ -7094,7 +7094,7 @@
             </a:pPr>
             <a:r>
               <a:rPr lang="en-US" sz="1600" dirty="0"/>
-              <a:t>A user or AI application/agent subscribes discovers through the YANG data catalog interesting metrics and subscribes to message broker topic.</a:t>
+              <a:t>A user or AI application/agent subscribes discovers through the stream catalog interesting metrics and subscribes to message broker topic.</a:t>
             </a:r>
           </a:p>
           <a:p>
@@ -7175,10 +7175,10 @@
       </p:sp>
       <p:pic>
         <p:nvPicPr>
-          <p:cNvPr id="14" name="Picture 13">
+          <p:cNvPr id="3" name="Picture 2">
             <a:extLst>
               <a:ext uri="{FF2B5EF4-FFF2-40B4-BE49-F238E27FC236}">
-                <a16:creationId xmlns:a16="http://schemas.microsoft.com/office/drawing/2014/main" id="{67D616A6-D348-51A1-BE12-88BE06F828E3}"/>
+                <a16:creationId xmlns:a16="http://schemas.microsoft.com/office/drawing/2014/main" id="{2286D54F-28C1-096E-701B-0EDE738BD9D2}"/>
               </a:ext>
             </a:extLst>
           </p:cNvPr>
@@ -7195,7 +7195,7 @@
         </p:blipFill>
         <p:spPr>
           <a:xfrm>
-            <a:off x="-4054643" y="1766967"/>
+            <a:off x="-3965713" y="1690688"/>
             <a:ext cx="12192000" cy="4607881"/>
           </a:xfrm>
           <a:prstGeom prst="rect">
@@ -7559,7 +7559,7 @@
             </a:r>
             <a:r>
               <a:rPr lang="en-US" sz="1600" dirty="0"/>
-              <a:t>thanks to the YANG awareness of the YANG data catalog and consumer, a specific topic, partition and subject can be consumed for the interested YANG metrics; </a:t>
+              <a:t>thanks to the YANG awareness of the stream catalog and consumer, a specific topic, partition and subject can be consumed for the interested YANG metrics; </a:t>
             </a:r>
             <a:r>
               <a:rPr lang="en-US" sz="1600" b="1" dirty="0">
@@ -7622,10 +7622,10 @@
       </p:sp>
       <p:pic>
         <p:nvPicPr>
-          <p:cNvPr id="10" name="Picture 9">
+          <p:cNvPr id="3" name="Picture 2">
             <a:extLst>
               <a:ext uri="{FF2B5EF4-FFF2-40B4-BE49-F238E27FC236}">
-                <a16:creationId xmlns:a16="http://schemas.microsoft.com/office/drawing/2014/main" id="{544A6BB3-B043-A57C-0A3F-AE41BF2C4744}"/>
+                <a16:creationId xmlns:a16="http://schemas.microsoft.com/office/drawing/2014/main" id="{E99BCB33-C892-431B-F8AF-15D7375C59BA}"/>
               </a:ext>
             </a:extLst>
           </p:cNvPr>
@@ -7642,8 +7642,8 @@
         </p:blipFill>
         <p:spPr>
           <a:xfrm>
-            <a:off x="274519" y="1690688"/>
-            <a:ext cx="11727624" cy="2776083"/>
+            <a:off x="384087" y="1690688"/>
+            <a:ext cx="11618056" cy="2750147"/>
           </a:xfrm>
           <a:prstGeom prst="rect">
             <a:avLst/>
@@ -9015,7 +9015,7 @@
         <p:spPr>
           <a:xfrm>
             <a:off x="838199" y="1690688"/>
-            <a:ext cx="6140117" cy="4486275"/>
+            <a:ext cx="6344851" cy="4486275"/>
           </a:xfrm>
         </p:spPr>
         <p:txBody>
@@ -9039,7 +9039,7 @@
             </a:r>
             <a:r>
               <a:rPr lang="en-US" sz="2100" dirty="0"/>
-              <a:t>A named communication channel where a schema id is associated.</a:t>
+              <a:t>A named communication channel where a schema registry assigned schema id is associated.</a:t>
             </a:r>
           </a:p>
           <a:p>
@@ -9058,7 +9058,7 @@
             </a:r>
             <a:r>
               <a:rPr lang="en-US" sz="2100" dirty="0"/>
-              <a:t>A communication channel for publishing and subscribing messages with one or more subjects.</a:t>
+              <a:t>A communication channel for publishing and subscribing messages between producer and consumer with one or more subjects.</a:t>
             </a:r>
           </a:p>
           <a:p>
@@ -11651,7 +11651,7 @@
             </a:r>
             <a:r>
               <a:rPr lang="en-US" sz="1600" dirty="0"/>
-              <a:t>thanks to the YANG awareness of the YANG data catalog, a specific subject from a e generic yang-push topic can be consumed for the interested YANG metrics.</a:t>
+              <a:t>thanks to the YANG awareness of the stream catalog, a specific subject from a generic yang-push topic can be consumed for the interested YANG metrics.</a:t>
             </a:r>
           </a:p>
           <a:p>
@@ -11793,10 +11793,10 @@
       </p:sp>
       <p:pic>
         <p:nvPicPr>
-          <p:cNvPr id="10" name="Picture 9">
+          <p:cNvPr id="3" name="Picture 2">
             <a:extLst>
               <a:ext uri="{FF2B5EF4-FFF2-40B4-BE49-F238E27FC236}">
-                <a16:creationId xmlns:a16="http://schemas.microsoft.com/office/drawing/2014/main" id="{EB451781-15D8-9A0C-8D17-0F9650574555}"/>
+                <a16:creationId xmlns:a16="http://schemas.microsoft.com/office/drawing/2014/main" id="{7CFE4D6E-ECAC-7C37-DFC5-079DE37CF8FD}"/>
               </a:ext>
             </a:extLst>
           </p:cNvPr>
@@ -11813,8 +11813,8 @@
         </p:blipFill>
         <p:spPr>
           <a:xfrm>
-            <a:off x="974558" y="1563185"/>
-            <a:ext cx="8081315" cy="2927317"/>
+            <a:off x="974558" y="1582556"/>
+            <a:ext cx="8314568" cy="3011809"/>
           </a:xfrm>
           <a:prstGeom prst="rect">
             <a:avLst/>

--- a/124/NMOP/draft-netana-nmop-yang-message-broker-message-key-01.pptx
+++ b/124/NMOP/draft-netana-nmop-yang-message-broker-message-key-01.pptx
@@ -133,7 +133,7 @@
 <file path=ppt/revisionInfo.xml><?xml version="1.0" encoding="utf-8"?>
 <p1510:revInfo xmlns:a="http://schemas.openxmlformats.org/drawingml/2006/main" xmlns:r="http://schemas.openxmlformats.org/officeDocument/2006/relationships" xmlns:p1510="http://schemas.microsoft.com/office/powerpoint/2015/10/main">
   <p1510:revLst>
-    <p1510:client id="{54A39940-08FA-4A7E-9BB9-600FEA25ABAF}" v="95" dt="2025-10-18T06:51:42.104"/>
+    <p1510:client id="{54A39940-08FA-4A7E-9BB9-600FEA25ABAF}" v="97" dt="2025-10-25T08:19:24.471"/>
   </p1510:revLst>
 </p1510:revInfo>
 </file>
@@ -456,14 +456,6 @@
             <ac:picMk id="5" creationId="{8DACCEA3-960D-FE3E-0C50-961771122014}"/>
           </ac:picMkLst>
         </pc:picChg>
-        <pc:picChg chg="del">
-          <ac:chgData name="Graf Thomas, SCS-INI-NET-VNC-E2E" userId="487bc3e3-9ce7-4cdd-b7b4-8899ea88d289" providerId="ADAL" clId="{54A39940-08FA-4A7E-9BB9-600FEA25ABAF}" dt="2025-10-17T09:24:54.380" v="4803" actId="478"/>
-          <ac:picMkLst>
-            <pc:docMk/>
-            <pc:sldMk cId="1088069469" sldId="26422"/>
-            <ac:picMk id="10" creationId="{94188F19-E5F7-4133-8F81-1D619D6CCEBF}"/>
-          </ac:picMkLst>
-        </pc:picChg>
       </pc:sldChg>
       <pc:sldChg chg="del">
         <pc:chgData name="Graf Thomas, SCS-INI-NET-VNC-E2E" userId="487bc3e3-9ce7-4cdd-b7b4-8899ea88d289" providerId="ADAL" clId="{54A39940-08FA-4A7E-9BB9-600FEA25ABAF}" dt="2025-10-17T08:44:45.036" v="3045" actId="47"/>
@@ -499,30 +491,6 @@
           <pc:docMk/>
           <pc:sldMk cId="461661054" sldId="2145706267"/>
         </pc:sldMkLst>
-        <pc:spChg chg="mod">
-          <ac:chgData name="Graf Thomas, SCS-INI-NET-VNC-E2E" userId="487bc3e3-9ce7-4cdd-b7b4-8899ea88d289" providerId="ADAL" clId="{54A39940-08FA-4A7E-9BB9-600FEA25ABAF}" dt="2025-10-18T06:51:17.510" v="9459" actId="20577"/>
-          <ac:spMkLst>
-            <pc:docMk/>
-            <pc:sldMk cId="461661054" sldId="2145706267"/>
-            <ac:spMk id="5" creationId="{C26208B2-0D10-4C23-B2DE-372A62E98644}"/>
-          </ac:spMkLst>
-        </pc:spChg>
-        <pc:spChg chg="add del mod">
-          <ac:chgData name="Graf Thomas, SCS-INI-NET-VNC-E2E" userId="487bc3e3-9ce7-4cdd-b7b4-8899ea88d289" providerId="ADAL" clId="{54A39940-08FA-4A7E-9BB9-600FEA25ABAF}" dt="2025-10-17T10:14:11.708" v="5407" actId="478"/>
-          <ac:spMkLst>
-            <pc:docMk/>
-            <pc:sldMk cId="461661054" sldId="2145706267"/>
-            <ac:spMk id="7" creationId="{7BD745DF-3EF8-4489-6A75-F635DCB60743}"/>
-          </ac:spMkLst>
-        </pc:spChg>
-        <pc:picChg chg="add del mod">
-          <ac:chgData name="Graf Thomas, SCS-INI-NET-VNC-E2E" userId="487bc3e3-9ce7-4cdd-b7b4-8899ea88d289" providerId="ADAL" clId="{54A39940-08FA-4A7E-9BB9-600FEA25ABAF}" dt="2025-10-17T10:14:11.708" v="5407" actId="478"/>
-          <ac:picMkLst>
-            <pc:docMk/>
-            <pc:sldMk cId="461661054" sldId="2145706267"/>
-            <ac:picMk id="4" creationId="{03319245-4E70-0A16-CA0D-CDFE63DC1899}"/>
-          </ac:picMkLst>
-        </pc:picChg>
       </pc:sldChg>
       <pc:sldChg chg="del">
         <pc:chgData name="Graf Thomas, SCS-INI-NET-VNC-E2E" userId="487bc3e3-9ce7-4cdd-b7b4-8899ea88d289" providerId="ADAL" clId="{54A39940-08FA-4A7E-9BB9-600FEA25ABAF}" dt="2025-10-17T08:44:45.036" v="3045" actId="47"/>
@@ -571,14 +539,6 @@
             <pc:docMk/>
             <pc:sldMk cId="1315775908" sldId="2145706280"/>
             <ac:spMk id="5" creationId="{0194B37B-813A-99FE-7B78-4D87D8C30D44}"/>
-          </ac:spMkLst>
-        </pc:spChg>
-        <pc:spChg chg="del">
-          <ac:chgData name="Graf Thomas, SCS-INI-NET-VNC-E2E" userId="487bc3e3-9ce7-4cdd-b7b4-8899ea88d289" providerId="ADAL" clId="{54A39940-08FA-4A7E-9BB9-600FEA25ABAF}" dt="2025-10-17T07:51:22.733" v="178" actId="478"/>
-          <ac:spMkLst>
-            <pc:docMk/>
-            <pc:sldMk cId="1315775908" sldId="2145706280"/>
-            <ac:spMk id="18" creationId="{B283EDB4-CFDF-D6B9-8AF9-9CFA563360E3}"/>
           </ac:spMkLst>
         </pc:spChg>
         <pc:spChg chg="mod">
@@ -655,38 +615,6 @@
             <ac:spMk id="19" creationId="{0047BEA9-3AA4-E9CE-441B-E09628F11B0D}"/>
           </ac:spMkLst>
         </pc:spChg>
-        <pc:picChg chg="add del">
-          <ac:chgData name="Graf Thomas, SCS-INI-NET-VNC-E2E" userId="487bc3e3-9ce7-4cdd-b7b4-8899ea88d289" providerId="ADAL" clId="{54A39940-08FA-4A7E-9BB9-600FEA25ABAF}" dt="2025-10-17T08:03:15.376" v="965" actId="478"/>
-          <ac:picMkLst>
-            <pc:docMk/>
-            <pc:sldMk cId="3685482022" sldId="2145706295"/>
-            <ac:picMk id="3" creationId="{A4D3FD92-9B81-2FB2-8970-52026F65E560}"/>
-          </ac:picMkLst>
-        </pc:picChg>
-        <pc:picChg chg="add del mod">
-          <ac:chgData name="Graf Thomas, SCS-INI-NET-VNC-E2E" userId="487bc3e3-9ce7-4cdd-b7b4-8899ea88d289" providerId="ADAL" clId="{54A39940-08FA-4A7E-9BB9-600FEA25ABAF}" dt="2025-10-17T08:09:22.365" v="1563" actId="478"/>
-          <ac:picMkLst>
-            <pc:docMk/>
-            <pc:sldMk cId="3685482022" sldId="2145706295"/>
-            <ac:picMk id="4" creationId="{C55ACC23-E09C-288D-FD3A-A03B0EEFBB0B}"/>
-          </ac:picMkLst>
-        </pc:picChg>
-        <pc:picChg chg="add del mod">
-          <ac:chgData name="Graf Thomas, SCS-INI-NET-VNC-E2E" userId="487bc3e3-9ce7-4cdd-b7b4-8899ea88d289" providerId="ADAL" clId="{54A39940-08FA-4A7E-9BB9-600FEA25ABAF}" dt="2025-10-17T08:26:11.706" v="2299" actId="478"/>
-          <ac:picMkLst>
-            <pc:docMk/>
-            <pc:sldMk cId="3685482022" sldId="2145706295"/>
-            <ac:picMk id="8" creationId="{3432D772-797E-7BC7-B07E-0AE5DEF56A14}"/>
-          </ac:picMkLst>
-        </pc:picChg>
-        <pc:picChg chg="add del mod">
-          <ac:chgData name="Graf Thomas, SCS-INI-NET-VNC-E2E" userId="487bc3e3-9ce7-4cdd-b7b4-8899ea88d289" providerId="ADAL" clId="{54A39940-08FA-4A7E-9BB9-600FEA25ABAF}" dt="2025-10-17T08:29:38.577" v="2341" actId="478"/>
-          <ac:picMkLst>
-            <pc:docMk/>
-            <pc:sldMk cId="3685482022" sldId="2145706295"/>
-            <ac:picMk id="10" creationId="{EB846DD1-7E26-ACDE-EFE6-FCA5FD7C0B57}"/>
-          </ac:picMkLst>
-        </pc:picChg>
         <pc:picChg chg="add mod">
           <ac:chgData name="Graf Thomas, SCS-INI-NET-VNC-E2E" userId="487bc3e3-9ce7-4cdd-b7b4-8899ea88d289" providerId="ADAL" clId="{54A39940-08FA-4A7E-9BB9-600FEA25ABAF}" dt="2025-10-17T08:30:03.184" v="2349" actId="14100"/>
           <ac:picMkLst>
@@ -718,36 +646,12 @@
             <ac:spMk id="19" creationId="{A5587F20-69CC-2E7C-C61C-7103CADE05D8}"/>
           </ac:spMkLst>
         </pc:spChg>
-        <pc:picChg chg="add del mod">
-          <ac:chgData name="Graf Thomas, SCS-INI-NET-VNC-E2E" userId="487bc3e3-9ce7-4cdd-b7b4-8899ea88d289" providerId="ADAL" clId="{54A39940-08FA-4A7E-9BB9-600FEA25ABAF}" dt="2025-10-17T10:23:59.437" v="5428" actId="478"/>
-          <ac:picMkLst>
-            <pc:docMk/>
-            <pc:sldMk cId="1475201924" sldId="2145706296"/>
-            <ac:picMk id="3" creationId="{781B0E0D-425C-696B-89AA-145BEEC8846E}"/>
-          </ac:picMkLst>
-        </pc:picChg>
-        <pc:picChg chg="add del mod">
-          <ac:chgData name="Graf Thomas, SCS-INI-NET-VNC-E2E" userId="487bc3e3-9ce7-4cdd-b7b4-8899ea88d289" providerId="ADAL" clId="{54A39940-08FA-4A7E-9BB9-600FEA25ABAF}" dt="2025-10-18T05:50:20.151" v="5958" actId="478"/>
-          <ac:picMkLst>
-            <pc:docMk/>
-            <pc:sldMk cId="1475201924" sldId="2145706296"/>
-            <ac:picMk id="7" creationId="{E32625E2-E5CB-AF7B-8EF5-9EA5C97FF5E8}"/>
-          </ac:picMkLst>
-        </pc:picChg>
         <pc:picChg chg="add mod">
           <ac:chgData name="Graf Thomas, SCS-INI-NET-VNC-E2E" userId="487bc3e3-9ce7-4cdd-b7b4-8899ea88d289" providerId="ADAL" clId="{54A39940-08FA-4A7E-9BB9-600FEA25ABAF}" dt="2025-10-18T05:50:31.416" v="5963" actId="1076"/>
           <ac:picMkLst>
             <pc:docMk/>
             <pc:sldMk cId="1475201924" sldId="2145706296"/>
             <ac:picMk id="9" creationId="{D0B83582-6D09-7FE2-4322-FF2E46B60A3E}"/>
-          </ac:picMkLst>
-        </pc:picChg>
-        <pc:picChg chg="del">
-          <ac:chgData name="Graf Thomas, SCS-INI-NET-VNC-E2E" userId="487bc3e3-9ce7-4cdd-b7b4-8899ea88d289" providerId="ADAL" clId="{54A39940-08FA-4A7E-9BB9-600FEA25ABAF}" dt="2025-10-17T08:35:34.523" v="2737" actId="478"/>
-          <ac:picMkLst>
-            <pc:docMk/>
-            <pc:sldMk cId="1475201924" sldId="2145706296"/>
-            <ac:picMk id="10" creationId="{4F1C5F1F-7C35-A5C5-19A0-87413BDE2AE4}"/>
           </ac:picMkLst>
         </pc:picChg>
       </pc:sldChg>
@@ -773,54 +677,6 @@
             <ac:spMk id="19" creationId="{0F259462-CCD4-C4B0-D206-9BE4F9B2EC1C}"/>
           </ac:spMkLst>
         </pc:spChg>
-        <pc:picChg chg="del">
-          <ac:chgData name="Graf Thomas, SCS-INI-NET-VNC-E2E" userId="487bc3e3-9ce7-4cdd-b7b4-8899ea88d289" providerId="ADAL" clId="{54A39940-08FA-4A7E-9BB9-600FEA25ABAF}" dt="2025-10-17T08:37:31.378" v="2749" actId="478"/>
-          <ac:picMkLst>
-            <pc:docMk/>
-            <pc:sldMk cId="710783608" sldId="2145706297"/>
-            <ac:picMk id="3" creationId="{F22FE104-EB87-5106-67B6-BC47B31C9C18}"/>
-          </ac:picMkLst>
-        </pc:picChg>
-        <pc:picChg chg="add del mod">
-          <ac:chgData name="Graf Thomas, SCS-INI-NET-VNC-E2E" userId="487bc3e3-9ce7-4cdd-b7b4-8899ea88d289" providerId="ADAL" clId="{54A39940-08FA-4A7E-9BB9-600FEA25ABAF}" dt="2025-10-17T08:38:05.765" v="2753" actId="22"/>
-          <ac:picMkLst>
-            <pc:docMk/>
-            <pc:sldMk cId="710783608" sldId="2145706297"/>
-            <ac:picMk id="4" creationId="{25E39A7F-B26A-AECA-D505-000A9A197222}"/>
-          </ac:picMkLst>
-        </pc:picChg>
-        <pc:picChg chg="add del mod">
-          <ac:chgData name="Graf Thomas, SCS-INI-NET-VNC-E2E" userId="487bc3e3-9ce7-4cdd-b7b4-8899ea88d289" providerId="ADAL" clId="{54A39940-08FA-4A7E-9BB9-600FEA25ABAF}" dt="2025-10-17T10:25:03.049" v="5433" actId="478"/>
-          <ac:picMkLst>
-            <pc:docMk/>
-            <pc:sldMk cId="710783608" sldId="2145706297"/>
-            <ac:picMk id="8" creationId="{E49AF0C7-BF5C-64C7-E70E-A31CEE0CFB9A}"/>
-          </ac:picMkLst>
-        </pc:picChg>
-        <pc:picChg chg="add del mod">
-          <ac:chgData name="Graf Thomas, SCS-INI-NET-VNC-E2E" userId="487bc3e3-9ce7-4cdd-b7b4-8899ea88d289" providerId="ADAL" clId="{54A39940-08FA-4A7E-9BB9-600FEA25ABAF}" dt="2025-10-18T05:52:00.282" v="5972" actId="478"/>
-          <ac:picMkLst>
-            <pc:docMk/>
-            <pc:sldMk cId="710783608" sldId="2145706297"/>
-            <ac:picMk id="10" creationId="{C27FBE1B-BAA6-3C5C-82D7-9E18BCF222CD}"/>
-          </ac:picMkLst>
-        </pc:picChg>
-        <pc:picChg chg="add del mod">
-          <ac:chgData name="Graf Thomas, SCS-INI-NET-VNC-E2E" userId="487bc3e3-9ce7-4cdd-b7b4-8899ea88d289" providerId="ADAL" clId="{54A39940-08FA-4A7E-9BB9-600FEA25ABAF}" dt="2025-10-18T05:51:40.945" v="5970" actId="22"/>
-          <ac:picMkLst>
-            <pc:docMk/>
-            <pc:sldMk cId="710783608" sldId="2145706297"/>
-            <ac:picMk id="12" creationId="{0A4BBADA-FFAC-114F-446E-5F25725CAE8F}"/>
-          </ac:picMkLst>
-        </pc:picChg>
-        <pc:picChg chg="add mod">
-          <ac:chgData name="Graf Thomas, SCS-INI-NET-VNC-E2E" userId="487bc3e3-9ce7-4cdd-b7b4-8899ea88d289" providerId="ADAL" clId="{54A39940-08FA-4A7E-9BB9-600FEA25ABAF}" dt="2025-10-18T05:52:11.987" v="5976" actId="1076"/>
-          <ac:picMkLst>
-            <pc:docMk/>
-            <pc:sldMk cId="710783608" sldId="2145706297"/>
-            <ac:picMk id="14" creationId="{67D616A6-D348-51A1-BE12-88BE06F828E3}"/>
-          </ac:picMkLst>
-        </pc:picChg>
       </pc:sldChg>
       <pc:sldChg chg="addSp delSp modSp add mod ord">
         <pc:chgData name="Graf Thomas, SCS-INI-NET-VNC-E2E" userId="487bc3e3-9ce7-4cdd-b7b4-8899ea88d289" providerId="ADAL" clId="{54A39940-08FA-4A7E-9BB9-600FEA25ABAF}" dt="2025-10-18T06:51:55.628" v="9485"/>
@@ -844,38 +700,6 @@
             <ac:spMk id="19" creationId="{1FB5448B-9146-4CF5-54FA-872A8BB2B5BC}"/>
           </ac:spMkLst>
         </pc:spChg>
-        <pc:picChg chg="add del mod">
-          <ac:chgData name="Graf Thomas, SCS-INI-NET-VNC-E2E" userId="487bc3e3-9ce7-4cdd-b7b4-8899ea88d289" providerId="ADAL" clId="{54A39940-08FA-4A7E-9BB9-600FEA25ABAF}" dt="2025-10-17T10:23:15.619" v="5419" actId="478"/>
-          <ac:picMkLst>
-            <pc:docMk/>
-            <pc:sldMk cId="3625312977" sldId="2145706298"/>
-            <ac:picMk id="3" creationId="{C3B620C8-BE52-44A9-5EC0-A50EE6AD8665}"/>
-          </ac:picMkLst>
-        </pc:picChg>
-        <pc:picChg chg="add del mod">
-          <ac:chgData name="Graf Thomas, SCS-INI-NET-VNC-E2E" userId="487bc3e3-9ce7-4cdd-b7b4-8899ea88d289" providerId="ADAL" clId="{54A39940-08FA-4A7E-9BB9-600FEA25ABAF}" dt="2025-10-18T05:52:41.700" v="5977" actId="478"/>
-          <ac:picMkLst>
-            <pc:docMk/>
-            <pc:sldMk cId="3625312977" sldId="2145706298"/>
-            <ac:picMk id="7" creationId="{634EC1F0-C83E-98B4-3F68-C49A4EDCB1B6}"/>
-          </ac:picMkLst>
-        </pc:picChg>
-        <pc:picChg chg="del">
-          <ac:chgData name="Graf Thomas, SCS-INI-NET-VNC-E2E" userId="487bc3e3-9ce7-4cdd-b7b4-8899ea88d289" providerId="ADAL" clId="{54A39940-08FA-4A7E-9BB9-600FEA25ABAF}" dt="2025-10-17T08:46:46.319" v="3117" actId="478"/>
-          <ac:picMkLst>
-            <pc:docMk/>
-            <pc:sldMk cId="3625312977" sldId="2145706298"/>
-            <ac:picMk id="8" creationId="{D250C799-0CD9-AF18-B19C-6267DB3BFC33}"/>
-          </ac:picMkLst>
-        </pc:picChg>
-        <pc:picChg chg="add mod">
-          <ac:chgData name="Graf Thomas, SCS-INI-NET-VNC-E2E" userId="487bc3e3-9ce7-4cdd-b7b4-8899ea88d289" providerId="ADAL" clId="{54A39940-08FA-4A7E-9BB9-600FEA25ABAF}" dt="2025-10-18T05:53:06.661" v="5985" actId="1076"/>
-          <ac:picMkLst>
-            <pc:docMk/>
-            <pc:sldMk cId="3625312977" sldId="2145706298"/>
-            <ac:picMk id="10" creationId="{544A6BB3-B043-A57C-0A3F-AE41BF2C4744}"/>
-          </ac:picMkLst>
-        </pc:picChg>
       </pc:sldChg>
       <pc:sldChg chg="addSp delSp modSp add mod ord">
         <pc:chgData name="Graf Thomas, SCS-INI-NET-VNC-E2E" userId="487bc3e3-9ce7-4cdd-b7b4-8899ea88d289" providerId="ADAL" clId="{54A39940-08FA-4A7E-9BB9-600FEA25ABAF}" dt="2025-10-18T06:51:34.868" v="9477" actId="20577"/>
@@ -899,38 +723,6 @@
             <ac:spMk id="19" creationId="{91155BFA-2534-18D8-930B-96F25D1878B2}"/>
           </ac:spMkLst>
         </pc:spChg>
-        <pc:picChg chg="del">
-          <ac:chgData name="Graf Thomas, SCS-INI-NET-VNC-E2E" userId="487bc3e3-9ce7-4cdd-b7b4-8899ea88d289" providerId="ADAL" clId="{54A39940-08FA-4A7E-9BB9-600FEA25ABAF}" dt="2025-10-17T09:02:54.043" v="4296" actId="478"/>
-          <ac:picMkLst>
-            <pc:docMk/>
-            <pc:sldMk cId="2117458142" sldId="2145706299"/>
-            <ac:picMk id="3" creationId="{2F65A829-9376-FF50-973C-48922062546E}"/>
-          </ac:picMkLst>
-        </pc:picChg>
-        <pc:picChg chg="add del mod">
-          <ac:chgData name="Graf Thomas, SCS-INI-NET-VNC-E2E" userId="487bc3e3-9ce7-4cdd-b7b4-8899ea88d289" providerId="ADAL" clId="{54A39940-08FA-4A7E-9BB9-600FEA25ABAF}" dt="2025-10-17T09:33:54.278" v="5196" actId="478"/>
-          <ac:picMkLst>
-            <pc:docMk/>
-            <pc:sldMk cId="2117458142" sldId="2145706299"/>
-            <ac:picMk id="4" creationId="{AA172643-FA01-3DFC-5022-E481D17D91A3}"/>
-          </ac:picMkLst>
-        </pc:picChg>
-        <pc:picChg chg="add del mod">
-          <ac:chgData name="Graf Thomas, SCS-INI-NET-VNC-E2E" userId="487bc3e3-9ce7-4cdd-b7b4-8899ea88d289" providerId="ADAL" clId="{54A39940-08FA-4A7E-9BB9-600FEA25ABAF}" dt="2025-10-18T05:49:44.742" v="5951" actId="478"/>
-          <ac:picMkLst>
-            <pc:docMk/>
-            <pc:sldMk cId="2117458142" sldId="2145706299"/>
-            <ac:picMk id="8" creationId="{10BEB8D8-959F-8CE9-B3C1-3759E4FA0692}"/>
-          </ac:picMkLst>
-        </pc:picChg>
-        <pc:picChg chg="add mod">
-          <ac:chgData name="Graf Thomas, SCS-INI-NET-VNC-E2E" userId="487bc3e3-9ce7-4cdd-b7b4-8899ea88d289" providerId="ADAL" clId="{54A39940-08FA-4A7E-9BB9-600FEA25ABAF}" dt="2025-10-18T05:49:56.919" v="5957" actId="1036"/>
-          <ac:picMkLst>
-            <pc:docMk/>
-            <pc:sldMk cId="2117458142" sldId="2145706299"/>
-            <ac:picMk id="10" creationId="{EB451781-15D8-9A0C-8D17-0F9650574555}"/>
-          </ac:picMkLst>
-        </pc:picChg>
       </pc:sldChg>
       <pc:sldChg chg="addSp delSp modSp add mod">
         <pc:chgData name="Graf Thomas, SCS-INI-NET-VNC-E2E" userId="487bc3e3-9ce7-4cdd-b7b4-8899ea88d289" providerId="ADAL" clId="{54A39940-08FA-4A7E-9BB9-600FEA25ABAF}" dt="2025-10-18T07:13:35.576" v="9523" actId="20577"/>
@@ -944,14 +736,6 @@
             <pc:docMk/>
             <pc:sldMk cId="1230411846" sldId="2145706300"/>
             <ac:spMk id="3" creationId="{9BBBB440-2F06-8C9A-AA8A-BA9481746642}"/>
-          </ac:spMkLst>
-        </pc:spChg>
-        <pc:spChg chg="del">
-          <ac:chgData name="Graf Thomas, SCS-INI-NET-VNC-E2E" userId="487bc3e3-9ce7-4cdd-b7b4-8899ea88d289" providerId="ADAL" clId="{54A39940-08FA-4A7E-9BB9-600FEA25ABAF}" dt="2025-10-17T10:11:35.169" v="5351" actId="478"/>
-          <ac:spMkLst>
-            <pc:docMk/>
-            <pc:sldMk cId="1230411846" sldId="2145706300"/>
-            <ac:spMk id="5" creationId="{0194B37B-813A-99FE-7B78-4D87D8C30D44}"/>
           </ac:spMkLst>
         </pc:spChg>
         <pc:spChg chg="mod">
@@ -1009,28 +793,12 @@
             <ac:spMk id="3" creationId="{49011665-59C1-3325-3606-F2E7AA460943}"/>
           </ac:spMkLst>
         </pc:spChg>
-        <pc:spChg chg="add del">
-          <ac:chgData name="Graf Thomas, SCS-INI-NET-VNC-E2E" userId="487bc3e3-9ce7-4cdd-b7b4-8899ea88d289" providerId="ADAL" clId="{54A39940-08FA-4A7E-9BB9-600FEA25ABAF}" dt="2025-10-18T05:22:23.516" v="5491" actId="478"/>
-          <ac:spMkLst>
-            <pc:docMk/>
-            <pc:sldMk cId="4162477740" sldId="2145706301"/>
-            <ac:spMk id="4" creationId="{443F7551-EF45-716B-8E4A-B529E956761C}"/>
-          </ac:spMkLst>
-        </pc:spChg>
         <pc:spChg chg="mod">
           <ac:chgData name="Graf Thomas, SCS-INI-NET-VNC-E2E" userId="487bc3e3-9ce7-4cdd-b7b4-8899ea88d289" providerId="ADAL" clId="{54A39940-08FA-4A7E-9BB9-600FEA25ABAF}" dt="2025-10-18T05:33:38.823" v="5623" actId="790"/>
           <ac:spMkLst>
             <pc:docMk/>
             <pc:sldMk cId="4162477740" sldId="2145706301"/>
             <ac:spMk id="6" creationId="{F9BCF2D4-1870-6423-60A0-79EE54FB125B}"/>
-          </ac:spMkLst>
-        </pc:spChg>
-        <pc:spChg chg="del mod">
-          <ac:chgData name="Graf Thomas, SCS-INI-NET-VNC-E2E" userId="487bc3e3-9ce7-4cdd-b7b4-8899ea88d289" providerId="ADAL" clId="{54A39940-08FA-4A7E-9BB9-600FEA25ABAF}" dt="2025-10-18T05:22:15.872" v="5489" actId="478"/>
-          <ac:spMkLst>
-            <pc:docMk/>
-            <pc:sldMk cId="4162477740" sldId="2145706301"/>
-            <ac:spMk id="8" creationId="{9FCEF573-84D4-EC93-FA81-8632C9AACCE4}"/>
           </ac:spMkLst>
         </pc:spChg>
         <pc:spChg chg="add mod">
@@ -1041,38 +809,6 @@
             <ac:spMk id="9" creationId="{93AA178A-624D-5E20-2C4A-20F6E40265E6}"/>
           </ac:spMkLst>
         </pc:spChg>
-        <pc:spChg chg="add del mod">
-          <ac:chgData name="Graf Thomas, SCS-INI-NET-VNC-E2E" userId="487bc3e3-9ce7-4cdd-b7b4-8899ea88d289" providerId="ADAL" clId="{54A39940-08FA-4A7E-9BB9-600FEA25ABAF}" dt="2025-10-18T05:29:33.881" v="5570" actId="478"/>
-          <ac:spMkLst>
-            <pc:docMk/>
-            <pc:sldMk cId="4162477740" sldId="2145706301"/>
-            <ac:spMk id="10" creationId="{192646A6-D5E9-ADEF-4817-1AA64C456433}"/>
-          </ac:spMkLst>
-        </pc:spChg>
-        <pc:spChg chg="add del mod">
-          <ac:chgData name="Graf Thomas, SCS-INI-NET-VNC-E2E" userId="487bc3e3-9ce7-4cdd-b7b4-8899ea88d289" providerId="ADAL" clId="{54A39940-08FA-4A7E-9BB9-600FEA25ABAF}" dt="2025-10-18T05:32:55.807" v="5617"/>
-          <ac:spMkLst>
-            <pc:docMk/>
-            <pc:sldMk cId="4162477740" sldId="2145706301"/>
-            <ac:spMk id="11" creationId="{BF735EF2-A0BA-7E65-480F-1895D52D479B}"/>
-          </ac:spMkLst>
-        </pc:spChg>
-        <pc:spChg chg="add del mod">
-          <ac:chgData name="Graf Thomas, SCS-INI-NET-VNC-E2E" userId="487bc3e3-9ce7-4cdd-b7b4-8899ea88d289" providerId="ADAL" clId="{54A39940-08FA-4A7E-9BB9-600FEA25ABAF}" dt="2025-10-18T05:32:55.803" v="5615" actId="478"/>
-          <ac:spMkLst>
-            <pc:docMk/>
-            <pc:sldMk cId="4162477740" sldId="2145706301"/>
-            <ac:spMk id="12" creationId="{0E74FD70-F49A-280A-3A83-F3A94CF48426}"/>
-          </ac:spMkLst>
-        </pc:spChg>
-        <pc:picChg chg="del">
-          <ac:chgData name="Graf Thomas, SCS-INI-NET-VNC-E2E" userId="487bc3e3-9ce7-4cdd-b7b4-8899ea88d289" providerId="ADAL" clId="{54A39940-08FA-4A7E-9BB9-600FEA25ABAF}" dt="2025-10-18T05:22:12.022" v="5487" actId="478"/>
-          <ac:picMkLst>
-            <pc:docMk/>
-            <pc:sldMk cId="4162477740" sldId="2145706301"/>
-            <ac:picMk id="5" creationId="{2F0D279D-9F78-82F6-692D-FEACB1F0955E}"/>
-          </ac:picMkLst>
-        </pc:picChg>
       </pc:sldChg>
       <pc:sldChg chg="delSp modSp add mod ord">
         <pc:chgData name="Graf Thomas, SCS-INI-NET-VNC-E2E" userId="487bc3e3-9ce7-4cdd-b7b4-8899ea88d289" providerId="ADAL" clId="{54A39940-08FA-4A7E-9BB9-600FEA25ABAF}" dt="2025-10-18T06:10:02.903" v="6169" actId="20577"/>
@@ -1094,14 +830,6 @@
             <pc:docMk/>
             <pc:sldMk cId="1190312228" sldId="2145706302"/>
             <ac:spMk id="3" creationId="{16030435-8548-CFD7-E67B-E4D3DD29D75F}"/>
-          </ac:spMkLst>
-        </pc:spChg>
-        <pc:spChg chg="del mod">
-          <ac:chgData name="Graf Thomas, SCS-INI-NET-VNC-E2E" userId="487bc3e3-9ce7-4cdd-b7b4-8899ea88d289" providerId="ADAL" clId="{54A39940-08FA-4A7E-9BB9-600FEA25ABAF}" dt="2025-10-18T05:59:15.639" v="5996" actId="478"/>
-          <ac:spMkLst>
-            <pc:docMk/>
-            <pc:sldMk cId="1190312228" sldId="2145706302"/>
-            <ac:spMk id="9" creationId="{5D0B827D-D063-7376-BAFC-A7BBC0505CB3}"/>
           </ac:spMkLst>
         </pc:spChg>
       </pc:sldChg>
@@ -1291,7 +1019,7 @@
           <a:p>
             <a:fld id="{E5E705E9-673F-4AC4-B29E-A7B26F3B8523}" type="datetimeFigureOut">
               <a:rPr lang="de-CH" smtClean="0"/>
-              <a:t>20.10.2025</a:t>
+              <a:t>25.10.2025</a:t>
             </a:fld>
             <a:endParaRPr lang="de-CH"/>
           </a:p>
@@ -1797,7 +1525,7 @@
           <a:p>
             <a:fld id="{9E9B238C-2335-4007-98C9-471C02CC43B6}" type="datetimeFigureOut">
               <a:rPr lang="de-CH" smtClean="0"/>
-              <a:t>20.10.2025</a:t>
+              <a:t>25.10.2025</a:t>
             </a:fld>
             <a:endParaRPr lang="de-CH"/>
           </a:p>
@@ -1997,7 +1725,7 @@
           <a:p>
             <a:fld id="{9E9B238C-2335-4007-98C9-471C02CC43B6}" type="datetimeFigureOut">
               <a:rPr lang="de-CH" smtClean="0"/>
-              <a:t>20.10.2025</a:t>
+              <a:t>25.10.2025</a:t>
             </a:fld>
             <a:endParaRPr lang="de-CH"/>
           </a:p>
@@ -2207,7 +1935,7 @@
           <a:p>
             <a:fld id="{9E9B238C-2335-4007-98C9-471C02CC43B6}" type="datetimeFigureOut">
               <a:rPr lang="de-CH" smtClean="0"/>
-              <a:t>20.10.2025</a:t>
+              <a:t>25.10.2025</a:t>
             </a:fld>
             <a:endParaRPr lang="de-CH"/>
           </a:p>
@@ -3649,7 +3377,7 @@
           <a:p>
             <a:fld id="{9E9B238C-2335-4007-98C9-471C02CC43B6}" type="datetimeFigureOut">
               <a:rPr lang="de-CH" smtClean="0"/>
-              <a:t>20.10.2025</a:t>
+              <a:t>25.10.2025</a:t>
             </a:fld>
             <a:endParaRPr lang="de-CH"/>
           </a:p>
@@ -3925,7 +3653,7 @@
           <a:p>
             <a:fld id="{9E9B238C-2335-4007-98C9-471C02CC43B6}" type="datetimeFigureOut">
               <a:rPr lang="de-CH" smtClean="0"/>
-              <a:t>20.10.2025</a:t>
+              <a:t>25.10.2025</a:t>
             </a:fld>
             <a:endParaRPr lang="de-CH"/>
           </a:p>
@@ -4193,7 +3921,7 @@
           <a:p>
             <a:fld id="{9E9B238C-2335-4007-98C9-471C02CC43B6}" type="datetimeFigureOut">
               <a:rPr lang="de-CH" smtClean="0"/>
-              <a:t>20.10.2025</a:t>
+              <a:t>25.10.2025</a:t>
             </a:fld>
             <a:endParaRPr lang="de-CH"/>
           </a:p>
@@ -4608,7 +4336,7 @@
           <a:p>
             <a:fld id="{9E9B238C-2335-4007-98C9-471C02CC43B6}" type="datetimeFigureOut">
               <a:rPr lang="de-CH" smtClean="0"/>
-              <a:t>20.10.2025</a:t>
+              <a:t>25.10.2025</a:t>
             </a:fld>
             <a:endParaRPr lang="de-CH"/>
           </a:p>
@@ -4750,7 +4478,7 @@
           <a:p>
             <a:fld id="{9E9B238C-2335-4007-98C9-471C02CC43B6}" type="datetimeFigureOut">
               <a:rPr lang="de-CH" smtClean="0"/>
-              <a:t>20.10.2025</a:t>
+              <a:t>25.10.2025</a:t>
             </a:fld>
             <a:endParaRPr lang="de-CH"/>
           </a:p>
@@ -4863,7 +4591,7 @@
           <a:p>
             <a:fld id="{9E9B238C-2335-4007-98C9-471C02CC43B6}" type="datetimeFigureOut">
               <a:rPr lang="de-CH" smtClean="0"/>
-              <a:t>20.10.2025</a:t>
+              <a:t>25.10.2025</a:t>
             </a:fld>
             <a:endParaRPr lang="de-CH"/>
           </a:p>
@@ -5176,7 +4904,7 @@
           <a:p>
             <a:fld id="{9E9B238C-2335-4007-98C9-471C02CC43B6}" type="datetimeFigureOut">
               <a:rPr lang="de-CH" smtClean="0"/>
-              <a:t>20.10.2025</a:t>
+              <a:t>25.10.2025</a:t>
             </a:fld>
             <a:endParaRPr lang="de-CH"/>
           </a:p>
@@ -5465,7 +5193,7 @@
           <a:p>
             <a:fld id="{9E9B238C-2335-4007-98C9-471C02CC43B6}" type="datetimeFigureOut">
               <a:rPr lang="de-CH" smtClean="0"/>
-              <a:t>20.10.2025</a:t>
+              <a:t>25.10.2025</a:t>
             </a:fld>
             <a:endParaRPr lang="de-CH"/>
           </a:p>
@@ -5708,7 +5436,7 @@
           <a:p>
             <a:fld id="{9E9B238C-2335-4007-98C9-471C02CC43B6}" type="datetimeFigureOut">
               <a:rPr lang="de-CH" smtClean="0"/>
-              <a:t>20.10.2025</a:t>
+              <a:t>25.10.2025</a:t>
             </a:fld>
             <a:endParaRPr lang="de-CH"/>
           </a:p>
@@ -8479,7 +8207,9 @@
               <a:t>Implement at </a:t>
             </a:r>
             <a:r>
-              <a:rPr lang="en-US" sz="2100" dirty="0" err="1"/>
+              <a:rPr lang="en-US" sz="2100" dirty="0">
+                <a:hlinkClick r:id="rId2"/>
+              </a:rPr>
               <a:t>NetGauze</a:t>
             </a:r>
             <a:r>
@@ -8487,7 +8217,9 @@
               <a:t> (YANG aware) and </a:t>
             </a:r>
             <a:r>
-              <a:rPr lang="en-US" sz="2100" dirty="0" err="1"/>
+              <a:rPr lang="en-US" sz="2100" dirty="0">
+                <a:hlinkClick r:id="rId3"/>
+              </a:rPr>
               <a:t>Pmacct</a:t>
             </a:r>
             <a:r>

--- a/124/NMOP/draft-netana-nmop-yang-message-broker-message-key-01.pptx
+++ b/124/NMOP/draft-netana-nmop-yang-message-broker-message-key-01.pptx
@@ -133,7 +133,7 @@
 <file path=ppt/revisionInfo.xml><?xml version="1.0" encoding="utf-8"?>
 <p1510:revInfo xmlns:a="http://schemas.openxmlformats.org/drawingml/2006/main" xmlns:r="http://schemas.openxmlformats.org/officeDocument/2006/relationships" xmlns:p1510="http://schemas.microsoft.com/office/powerpoint/2015/10/main">
   <p1510:revLst>
-    <p1510:client id="{54A39940-08FA-4A7E-9BB9-600FEA25ABAF}" v="97" dt="2025-10-25T08:19:24.471"/>
+    <p1510:client id="{54A39940-08FA-4A7E-9BB9-600FEA25ABAF}" v="99" dt="2025-10-26T13:06:42.603"/>
   </p1510:revLst>
 </p1510:revInfo>
 </file>
@@ -383,12 +383,12 @@
   <pc:docChgLst>
     <pc:chgData name="Graf Thomas, SCS-INI-NET-VNC-E2E" userId="487bc3e3-9ce7-4cdd-b7b4-8899ea88d289" providerId="ADAL" clId="{54A39940-08FA-4A7E-9BB9-600FEA25ABAF}"/>
     <pc:docChg chg="undo redo custSel addSld delSld modSld sldOrd">
-      <pc:chgData name="Graf Thomas, SCS-INI-NET-VNC-E2E" userId="487bc3e3-9ce7-4cdd-b7b4-8899ea88d289" providerId="ADAL" clId="{54A39940-08FA-4A7E-9BB9-600FEA25ABAF}" dt="2025-10-18T07:18:31.215" v="9724" actId="20577"/>
+      <pc:chgData name="Graf Thomas, SCS-INI-NET-VNC-E2E" userId="487bc3e3-9ce7-4cdd-b7b4-8899ea88d289" providerId="ADAL" clId="{54A39940-08FA-4A7E-9BB9-600FEA25ABAF}" dt="2025-10-26T13:07:06.475" v="9735" actId="14100"/>
       <pc:docMkLst>
         <pc:docMk/>
       </pc:docMkLst>
       <pc:sldChg chg="modSp mod">
-        <pc:chgData name="Graf Thomas, SCS-INI-NET-VNC-E2E" userId="487bc3e3-9ce7-4cdd-b7b4-8899ea88d289" providerId="ADAL" clId="{54A39940-08FA-4A7E-9BB9-600FEA25ABAF}" dt="2025-10-18T06:53:08.618" v="9495" actId="790"/>
+        <pc:chgData name="Graf Thomas, SCS-INI-NET-VNC-E2E" userId="487bc3e3-9ce7-4cdd-b7b4-8899ea88d289" providerId="ADAL" clId="{54A39940-08FA-4A7E-9BB9-600FEA25ABAF}" dt="2025-10-26T13:05:39.020" v="9726" actId="20577"/>
         <pc:sldMkLst>
           <pc:docMk/>
           <pc:sldMk cId="3578665336" sldId="1041"/>
@@ -410,7 +410,7 @@
           </ac:spMkLst>
         </pc:spChg>
         <pc:spChg chg="mod">
-          <ac:chgData name="Graf Thomas, SCS-INI-NET-VNC-E2E" userId="487bc3e3-9ce7-4cdd-b7b4-8899ea88d289" providerId="ADAL" clId="{54A39940-08FA-4A7E-9BB9-600FEA25ABAF}" dt="2025-10-18T06:53:08.618" v="9495" actId="790"/>
+          <ac:chgData name="Graf Thomas, SCS-INI-NET-VNC-E2E" userId="487bc3e3-9ce7-4cdd-b7b4-8899ea88d289" providerId="ADAL" clId="{54A39940-08FA-4A7E-9BB9-600FEA25ABAF}" dt="2025-10-26T13:05:39.020" v="9726" actId="20577"/>
           <ac:spMkLst>
             <pc:docMk/>
             <pc:sldMk cId="3578665336" sldId="1041"/>
@@ -909,8 +909,8 @@
           <pc:sldMk cId="1436051656" sldId="2145706306"/>
         </pc:sldMkLst>
       </pc:sldChg>
-      <pc:sldChg chg="modSp add mod">
-        <pc:chgData name="Graf Thomas, SCS-INI-NET-VNC-E2E" userId="487bc3e3-9ce7-4cdd-b7b4-8899ea88d289" providerId="ADAL" clId="{54A39940-08FA-4A7E-9BB9-600FEA25ABAF}" dt="2025-10-18T06:52:58.110" v="9494" actId="790"/>
+      <pc:sldChg chg="addSp modSp add mod">
+        <pc:chgData name="Graf Thomas, SCS-INI-NET-VNC-E2E" userId="487bc3e3-9ce7-4cdd-b7b4-8899ea88d289" providerId="ADAL" clId="{54A39940-08FA-4A7E-9BB9-600FEA25ABAF}" dt="2025-10-26T13:07:06.475" v="9735" actId="14100"/>
         <pc:sldMkLst>
           <pc:docMk/>
           <pc:sldMk cId="3305081943" sldId="2145706306"/>
@@ -924,11 +924,19 @@
           </ac:spMkLst>
         </pc:spChg>
         <pc:spChg chg="mod">
-          <ac:chgData name="Graf Thomas, SCS-INI-NET-VNC-E2E" userId="487bc3e3-9ce7-4cdd-b7b4-8899ea88d289" providerId="ADAL" clId="{54A39940-08FA-4A7E-9BB9-600FEA25ABAF}" dt="2025-10-18T06:52:58.110" v="9494" actId="790"/>
+          <ac:chgData name="Graf Thomas, SCS-INI-NET-VNC-E2E" userId="487bc3e3-9ce7-4cdd-b7b4-8899ea88d289" providerId="ADAL" clId="{54A39940-08FA-4A7E-9BB9-600FEA25ABAF}" dt="2025-10-26T13:07:06.475" v="9735" actId="14100"/>
           <ac:spMkLst>
             <pc:docMk/>
             <pc:sldMk cId="3305081943" sldId="2145706306"/>
             <ac:spMk id="3" creationId="{3EA36F6F-A76C-ACD7-BA9E-6565DCCE91FE}"/>
+          </ac:spMkLst>
+        </pc:spChg>
+        <pc:spChg chg="add mod">
+          <ac:chgData name="Graf Thomas, SCS-INI-NET-VNC-E2E" userId="487bc3e3-9ce7-4cdd-b7b4-8899ea88d289" providerId="ADAL" clId="{54A39940-08FA-4A7E-9BB9-600FEA25ABAF}" dt="2025-10-26T13:05:52.269" v="9728"/>
+          <ac:spMkLst>
+            <pc:docMk/>
+            <pc:sldMk cId="3305081943" sldId="2145706306"/>
+            <ac:spMk id="4" creationId="{59CFE947-4A29-3EDA-9CF4-2F6E346A50BB}"/>
           </ac:spMkLst>
         </pc:spChg>
       </pc:sldChg>
@@ -1019,7 +1027,7 @@
           <a:p>
             <a:fld id="{E5E705E9-673F-4AC4-B29E-A7B26F3B8523}" type="datetimeFigureOut">
               <a:rPr lang="de-CH" smtClean="0"/>
-              <a:t>25.10.2025</a:t>
+              <a:t>26.10.2025</a:t>
             </a:fld>
             <a:endParaRPr lang="de-CH"/>
           </a:p>
@@ -1525,7 +1533,7 @@
           <a:p>
             <a:fld id="{9E9B238C-2335-4007-98C9-471C02CC43B6}" type="datetimeFigureOut">
               <a:rPr lang="de-CH" smtClean="0"/>
-              <a:t>25.10.2025</a:t>
+              <a:t>26.10.2025</a:t>
             </a:fld>
             <a:endParaRPr lang="de-CH"/>
           </a:p>
@@ -1725,7 +1733,7 @@
           <a:p>
             <a:fld id="{9E9B238C-2335-4007-98C9-471C02CC43B6}" type="datetimeFigureOut">
               <a:rPr lang="de-CH" smtClean="0"/>
-              <a:t>25.10.2025</a:t>
+              <a:t>26.10.2025</a:t>
             </a:fld>
             <a:endParaRPr lang="de-CH"/>
           </a:p>
@@ -1935,7 +1943,7 @@
           <a:p>
             <a:fld id="{9E9B238C-2335-4007-98C9-471C02CC43B6}" type="datetimeFigureOut">
               <a:rPr lang="de-CH" smtClean="0"/>
-              <a:t>25.10.2025</a:t>
+              <a:t>26.10.2025</a:t>
             </a:fld>
             <a:endParaRPr lang="de-CH"/>
           </a:p>
@@ -3377,7 +3385,7 @@
           <a:p>
             <a:fld id="{9E9B238C-2335-4007-98C9-471C02CC43B6}" type="datetimeFigureOut">
               <a:rPr lang="de-CH" smtClean="0"/>
-              <a:t>25.10.2025</a:t>
+              <a:t>26.10.2025</a:t>
             </a:fld>
             <a:endParaRPr lang="de-CH"/>
           </a:p>
@@ -3653,7 +3661,7 @@
           <a:p>
             <a:fld id="{9E9B238C-2335-4007-98C9-471C02CC43B6}" type="datetimeFigureOut">
               <a:rPr lang="de-CH" smtClean="0"/>
-              <a:t>25.10.2025</a:t>
+              <a:t>26.10.2025</a:t>
             </a:fld>
             <a:endParaRPr lang="de-CH"/>
           </a:p>
@@ -3921,7 +3929,7 @@
           <a:p>
             <a:fld id="{9E9B238C-2335-4007-98C9-471C02CC43B6}" type="datetimeFigureOut">
               <a:rPr lang="de-CH" smtClean="0"/>
-              <a:t>25.10.2025</a:t>
+              <a:t>26.10.2025</a:t>
             </a:fld>
             <a:endParaRPr lang="de-CH"/>
           </a:p>
@@ -4336,7 +4344,7 @@
           <a:p>
             <a:fld id="{9E9B238C-2335-4007-98C9-471C02CC43B6}" type="datetimeFigureOut">
               <a:rPr lang="de-CH" smtClean="0"/>
-              <a:t>25.10.2025</a:t>
+              <a:t>26.10.2025</a:t>
             </a:fld>
             <a:endParaRPr lang="de-CH"/>
           </a:p>
@@ -4478,7 +4486,7 @@
           <a:p>
             <a:fld id="{9E9B238C-2335-4007-98C9-471C02CC43B6}" type="datetimeFigureOut">
               <a:rPr lang="de-CH" smtClean="0"/>
-              <a:t>25.10.2025</a:t>
+              <a:t>26.10.2025</a:t>
             </a:fld>
             <a:endParaRPr lang="de-CH"/>
           </a:p>
@@ -4591,7 +4599,7 @@
           <a:p>
             <a:fld id="{9E9B238C-2335-4007-98C9-471C02CC43B6}" type="datetimeFigureOut">
               <a:rPr lang="de-CH" smtClean="0"/>
-              <a:t>25.10.2025</a:t>
+              <a:t>26.10.2025</a:t>
             </a:fld>
             <a:endParaRPr lang="de-CH"/>
           </a:p>
@@ -4904,7 +4912,7 @@
           <a:p>
             <a:fld id="{9E9B238C-2335-4007-98C9-471C02CC43B6}" type="datetimeFigureOut">
               <a:rPr lang="de-CH" smtClean="0"/>
-              <a:t>25.10.2025</a:t>
+              <a:t>26.10.2025</a:t>
             </a:fld>
             <a:endParaRPr lang="de-CH"/>
           </a:p>
@@ -5193,7 +5201,7 @@
           <a:p>
             <a:fld id="{9E9B238C-2335-4007-98C9-471C02CC43B6}" type="datetimeFigureOut">
               <a:rPr lang="de-CH" smtClean="0"/>
-              <a:t>25.10.2025</a:t>
+              <a:t>26.10.2025</a:t>
             </a:fld>
             <a:endParaRPr lang="de-CH"/>
           </a:p>
@@ -5436,7 +5444,7 @@
           <a:p>
             <a:fld id="{9E9B238C-2335-4007-98C9-471C02CC43B6}" type="datetimeFigureOut">
               <a:rPr lang="de-CH" smtClean="0"/>
-              <a:t>25.10.2025</a:t>
+              <a:t>26.10.2025</a:t>
             </a:fld>
             <a:endParaRPr lang="de-CH"/>
           </a:p>
@@ -6189,13 +6197,13 @@
               <a:defRPr sz="1782"/>
             </a:pPr>
             <a:r>
-              <a:rPr lang="en-US" sz="1400" dirty="0">
+              <a:rPr lang="en-US" sz="1400" b="1" dirty="0">
                 <a:latin typeface="+mj-lt"/>
               </a:rPr>
               <a:t>thomas.graf@swisscom.com</a:t>
             </a:r>
             <a:br>
-              <a:rPr lang="en-US" sz="1400" dirty="0">
+              <a:rPr lang="en-US" sz="1400" b="1" dirty="0">
                 <a:latin typeface="+mj-lt"/>
               </a:rPr>
             </a:br>
@@ -6251,7 +6259,7 @@
               <a:rPr lang="en-US" sz="1400" dirty="0">
                 <a:latin typeface="+mj-lt"/>
               </a:rPr>
-              <a:t>20. October </a:t>
+              <a:t>26. October </a:t>
             </a:r>
             <a:r>
               <a:rPr lang="en-US" sz="1400" dirty="0">
@@ -8103,8 +8111,8 @@
         </p:nvSpPr>
         <p:spPr>
           <a:xfrm>
-            <a:off x="838199" y="2237874"/>
-            <a:ext cx="10515600" cy="3939089"/>
+            <a:off x="838199" y="1690688"/>
+            <a:ext cx="8558720" cy="4486275"/>
           </a:xfrm>
         </p:spPr>
         <p:txBody>
@@ -8117,9 +8125,6 @@
               <a:spcBef>
                 <a:spcPts val="600"/>
               </a:spcBef>
-              <a:spcAft>
-                <a:spcPts val="600"/>
-              </a:spcAft>
             </a:pPr>
             <a:r>
               <a:rPr lang="en-US" sz="2100" dirty="0"/>
@@ -8131,9 +8136,6 @@
               <a:spcBef>
                 <a:spcPts val="600"/>
               </a:spcBef>
-              <a:spcAft>
-                <a:spcPts val="600"/>
-              </a:spcAft>
             </a:pPr>
             <a:r>
               <a:rPr lang="en-US" sz="2100" dirty="0"/>
@@ -8156,9 +8158,6 @@
               <a:spcBef>
                 <a:spcPts val="600"/>
               </a:spcBef>
-              <a:spcAft>
-                <a:spcPts val="600"/>
-              </a:spcAft>
             </a:pPr>
             <a:r>
               <a:rPr lang="en-US" sz="2100" dirty="0"/>
@@ -8170,9 +8169,6 @@
               <a:spcBef>
                 <a:spcPts val="600"/>
               </a:spcBef>
-              <a:spcAft>
-                <a:spcPts val="600"/>
-              </a:spcAft>
             </a:pPr>
             <a:r>
               <a:rPr lang="en-US" sz="2100" dirty="0"/>
@@ -8184,9 +8180,17 @@
               <a:spcBef>
                 <a:spcPts val="600"/>
               </a:spcBef>
-              <a:spcAft>
+            </a:pPr>
+            <a:r>
+              <a:rPr lang="en-US" sz="2100" dirty="0"/>
+              <a:t>Clarify with NMOP and OPS AD wherever the document should be "informational" or "standards track".</a:t>
+            </a:r>
+          </a:p>
+          <a:p>
+            <a:pPr>
+              <a:spcBef>
                 <a:spcPts val="600"/>
-              </a:spcAft>
+              </a:spcBef>
             </a:pPr>
             <a:r>
               <a:rPr lang="en-US" sz="2100" dirty="0"/>
@@ -8198,9 +8202,6 @@
               <a:spcBef>
                 <a:spcPts val="600"/>
               </a:spcBef>
-              <a:spcAft>
-                <a:spcPts val="600"/>
-              </a:spcAft>
             </a:pPr>
             <a:r>
               <a:rPr lang="en-US" sz="2100" dirty="0"/>
@@ -8260,6 +8261,288 @@
               <a:t>15</a:t>
             </a:fld>
             <a:endParaRPr lang="en-US" sz="1400" dirty="0"/>
+          </a:p>
+        </p:txBody>
+      </p:sp>
+      <p:sp>
+        <p:nvSpPr>
+          <p:cNvPr id="4" name="Subtitle 4">
+            <a:extLst>
+              <a:ext uri="{FF2B5EF4-FFF2-40B4-BE49-F238E27FC236}">
+                <a16:creationId xmlns:a16="http://schemas.microsoft.com/office/drawing/2014/main" id="{59CFE947-4A29-3EDA-9CF4-2F6E346A50BB}"/>
+              </a:ext>
+            </a:extLst>
+          </p:cNvPr>
+          <p:cNvSpPr txBox="1">
+            <a:spLocks/>
+          </p:cNvSpPr>
+          <p:nvPr/>
+        </p:nvSpPr>
+        <p:spPr>
+          <a:xfrm>
+            <a:off x="838200" y="5041232"/>
+            <a:ext cx="11163943" cy="1320405"/>
+          </a:xfrm>
+          <a:prstGeom prst="rect">
+            <a:avLst/>
+          </a:prstGeom>
+        </p:spPr>
+        <p:txBody>
+          <a:bodyPr vert="horz" lIns="91440" tIns="45720" rIns="91440" bIns="45720" rtlCol="0">
+            <a:normAutofit/>
+          </a:bodyPr>
+          <a:lstStyle>
+            <a:lvl1pPr marL="228600" indent="-228600" algn="l" defTabSz="914400" rtl="0" eaLnBrk="1" latinLnBrk="0" hangingPunct="1">
+              <a:lnSpc>
+                <a:spcPct val="90000"/>
+              </a:lnSpc>
+              <a:spcBef>
+                <a:spcPts val="1000"/>
+              </a:spcBef>
+              <a:buFont typeface="Arial" panose="020B0604020202020204" pitchFamily="34" charset="0"/>
+              <a:buChar char="•"/>
+              <a:defRPr sz="2800" kern="1200">
+                <a:solidFill>
+                  <a:schemeClr val="tx1"/>
+                </a:solidFill>
+                <a:latin typeface="+mn-lt"/>
+                <a:ea typeface="+mn-ea"/>
+                <a:cs typeface="+mn-cs"/>
+              </a:defRPr>
+            </a:lvl1pPr>
+            <a:lvl2pPr marL="685800" indent="-228600" algn="l" defTabSz="914400" rtl="0" eaLnBrk="1" latinLnBrk="0" hangingPunct="1">
+              <a:lnSpc>
+                <a:spcPct val="90000"/>
+              </a:lnSpc>
+              <a:spcBef>
+                <a:spcPts val="500"/>
+              </a:spcBef>
+              <a:buFont typeface="Arial" panose="020B0604020202020204" pitchFamily="34" charset="0"/>
+              <a:buChar char="•"/>
+              <a:defRPr sz="2400" kern="1200">
+                <a:solidFill>
+                  <a:schemeClr val="tx1"/>
+                </a:solidFill>
+                <a:latin typeface="+mn-lt"/>
+                <a:ea typeface="+mn-ea"/>
+                <a:cs typeface="+mn-cs"/>
+              </a:defRPr>
+            </a:lvl2pPr>
+            <a:lvl3pPr marL="1143000" indent="-228600" algn="l" defTabSz="914400" rtl="0" eaLnBrk="1" latinLnBrk="0" hangingPunct="1">
+              <a:lnSpc>
+                <a:spcPct val="90000"/>
+              </a:lnSpc>
+              <a:spcBef>
+                <a:spcPts val="500"/>
+              </a:spcBef>
+              <a:buFont typeface="Arial" panose="020B0604020202020204" pitchFamily="34" charset="0"/>
+              <a:buChar char="•"/>
+              <a:defRPr sz="2000" kern="1200">
+                <a:solidFill>
+                  <a:schemeClr val="tx1"/>
+                </a:solidFill>
+                <a:latin typeface="+mn-lt"/>
+                <a:ea typeface="+mn-ea"/>
+                <a:cs typeface="+mn-cs"/>
+              </a:defRPr>
+            </a:lvl3pPr>
+            <a:lvl4pPr marL="1600200" indent="-228600" algn="l" defTabSz="914400" rtl="0" eaLnBrk="1" latinLnBrk="0" hangingPunct="1">
+              <a:lnSpc>
+                <a:spcPct val="90000"/>
+              </a:lnSpc>
+              <a:spcBef>
+                <a:spcPts val="500"/>
+              </a:spcBef>
+              <a:buFont typeface="Arial" panose="020B0604020202020204" pitchFamily="34" charset="0"/>
+              <a:buChar char="•"/>
+              <a:defRPr sz="1800" kern="1200">
+                <a:solidFill>
+                  <a:schemeClr val="tx1"/>
+                </a:solidFill>
+                <a:latin typeface="+mn-lt"/>
+                <a:ea typeface="+mn-ea"/>
+                <a:cs typeface="+mn-cs"/>
+              </a:defRPr>
+            </a:lvl4pPr>
+            <a:lvl5pPr marL="2057400" indent="-228600" algn="l" defTabSz="914400" rtl="0" eaLnBrk="1" latinLnBrk="0" hangingPunct="1">
+              <a:lnSpc>
+                <a:spcPct val="90000"/>
+              </a:lnSpc>
+              <a:spcBef>
+                <a:spcPts val="500"/>
+              </a:spcBef>
+              <a:buFont typeface="Arial" panose="020B0604020202020204" pitchFamily="34" charset="0"/>
+              <a:buChar char="•"/>
+              <a:defRPr sz="1800" kern="1200">
+                <a:solidFill>
+                  <a:schemeClr val="tx1"/>
+                </a:solidFill>
+                <a:latin typeface="+mn-lt"/>
+                <a:ea typeface="+mn-ea"/>
+                <a:cs typeface="+mn-cs"/>
+              </a:defRPr>
+            </a:lvl5pPr>
+            <a:lvl6pPr marL="2514600" indent="-228600" algn="l" defTabSz="914400" rtl="0" eaLnBrk="1" latinLnBrk="0" hangingPunct="1">
+              <a:lnSpc>
+                <a:spcPct val="90000"/>
+              </a:lnSpc>
+              <a:spcBef>
+                <a:spcPts val="500"/>
+              </a:spcBef>
+              <a:buFont typeface="Arial" panose="020B0604020202020204" pitchFamily="34" charset="0"/>
+              <a:buChar char="•"/>
+              <a:defRPr sz="1800" kern="1200">
+                <a:solidFill>
+                  <a:schemeClr val="tx1"/>
+                </a:solidFill>
+                <a:latin typeface="+mn-lt"/>
+                <a:ea typeface="+mn-ea"/>
+                <a:cs typeface="+mn-cs"/>
+              </a:defRPr>
+            </a:lvl6pPr>
+            <a:lvl7pPr marL="2971800" indent="-228600" algn="l" defTabSz="914400" rtl="0" eaLnBrk="1" latinLnBrk="0" hangingPunct="1">
+              <a:lnSpc>
+                <a:spcPct val="90000"/>
+              </a:lnSpc>
+              <a:spcBef>
+                <a:spcPts val="500"/>
+              </a:spcBef>
+              <a:buFont typeface="Arial" panose="020B0604020202020204" pitchFamily="34" charset="0"/>
+              <a:buChar char="•"/>
+              <a:defRPr sz="1800" kern="1200">
+                <a:solidFill>
+                  <a:schemeClr val="tx1"/>
+                </a:solidFill>
+                <a:latin typeface="+mn-lt"/>
+                <a:ea typeface="+mn-ea"/>
+                <a:cs typeface="+mn-cs"/>
+              </a:defRPr>
+            </a:lvl7pPr>
+            <a:lvl8pPr marL="3429000" indent="-228600" algn="l" defTabSz="914400" rtl="0" eaLnBrk="1" latinLnBrk="0" hangingPunct="1">
+              <a:lnSpc>
+                <a:spcPct val="90000"/>
+              </a:lnSpc>
+              <a:spcBef>
+                <a:spcPts val="500"/>
+              </a:spcBef>
+              <a:buFont typeface="Arial" panose="020B0604020202020204" pitchFamily="34" charset="0"/>
+              <a:buChar char="•"/>
+              <a:defRPr sz="1800" kern="1200">
+                <a:solidFill>
+                  <a:schemeClr val="tx1"/>
+                </a:solidFill>
+                <a:latin typeface="+mn-lt"/>
+                <a:ea typeface="+mn-ea"/>
+                <a:cs typeface="+mn-cs"/>
+              </a:defRPr>
+            </a:lvl8pPr>
+            <a:lvl9pPr marL="3886200" indent="-228600" algn="l" defTabSz="914400" rtl="0" eaLnBrk="1" latinLnBrk="0" hangingPunct="1">
+              <a:lnSpc>
+                <a:spcPct val="90000"/>
+              </a:lnSpc>
+              <a:spcBef>
+                <a:spcPts val="500"/>
+              </a:spcBef>
+              <a:buFont typeface="Arial" panose="020B0604020202020204" pitchFamily="34" charset="0"/>
+              <a:buChar char="•"/>
+              <a:defRPr sz="1800" kern="1200">
+                <a:solidFill>
+                  <a:schemeClr val="tx1"/>
+                </a:solidFill>
+                <a:latin typeface="+mn-lt"/>
+                <a:ea typeface="+mn-ea"/>
+                <a:cs typeface="+mn-cs"/>
+              </a:defRPr>
+            </a:lvl9pPr>
+          </a:lstStyle>
+          <a:p>
+            <a:pPr marL="0" indent="0" algn="r">
+              <a:spcBef>
+                <a:spcPts val="300"/>
+              </a:spcBef>
+              <a:buNone/>
+              <a:defRPr sz="1782"/>
+            </a:pPr>
+            <a:r>
+              <a:rPr lang="en-US" sz="1400" b="1" dirty="0">
+                <a:latin typeface="+mj-lt"/>
+              </a:rPr>
+              <a:t>thomas.graf@swisscom.com</a:t>
+            </a:r>
+            <a:br>
+              <a:rPr lang="en-US" sz="1400" b="1" dirty="0">
+                <a:latin typeface="+mj-lt"/>
+              </a:rPr>
+            </a:br>
+            <a:r>
+              <a:rPr lang="en-US" sz="1400" dirty="0">
+                <a:latin typeface="+mj-lt"/>
+              </a:rPr>
+              <a:t>ahmed.elhassany@swisscom.com</a:t>
+            </a:r>
+          </a:p>
+          <a:p>
+            <a:pPr marL="0" indent="0" algn="r">
+              <a:spcBef>
+                <a:spcPts val="300"/>
+              </a:spcBef>
+              <a:buNone/>
+              <a:defRPr sz="1782"/>
+            </a:pPr>
+            <a:r>
+              <a:rPr lang="en-US" sz="1400" dirty="0">
+                <a:latin typeface="+mj-lt"/>
+              </a:rPr>
+              <a:t>alex.huang-feng@insa-lyon.fr</a:t>
+            </a:r>
+            <a:br>
+              <a:rPr lang="en-US" sz="1400" dirty="0">
+                <a:latin typeface="+mj-lt"/>
+              </a:rPr>
+            </a:br>
+            <a:r>
+              <a:rPr lang="en-US" sz="1400" dirty="0">
+                <a:latin typeface="+mj-lt"/>
+              </a:rPr>
+              <a:t>benoit@everything-ops.net</a:t>
+            </a:r>
+            <a:br>
+              <a:rPr lang="en-US" sz="1400" dirty="0">
+                <a:latin typeface="+mj-lt"/>
+              </a:rPr>
+            </a:br>
+            <a:endParaRPr lang="en-US" sz="1400" dirty="0">
+              <a:latin typeface="+mj-lt"/>
+            </a:endParaRPr>
+          </a:p>
+          <a:p>
+            <a:pPr marL="0" indent="0" algn="r">
+              <a:spcBef>
+                <a:spcPts val="300"/>
+              </a:spcBef>
+              <a:buNone/>
+            </a:pPr>
+            <a:r>
+              <a:rPr lang="en-US" sz="1400" dirty="0">
+                <a:latin typeface="+mj-lt"/>
+              </a:rPr>
+              <a:t>26. October </a:t>
+            </a:r>
+            <a:r>
+              <a:rPr lang="en-US" sz="1400" dirty="0">
+                <a:latin typeface="+mj-lt"/>
+                <a:ea typeface="+mj-ea"/>
+                <a:cs typeface="+mj-cs"/>
+              </a:rPr>
+              <a:t>2025</a:t>
+            </a:r>
+            <a:endParaRPr lang="en-US" sz="1400" dirty="0">
+              <a:latin typeface="+mj-lt"/>
+            </a:endParaRPr>
+          </a:p>
+          <a:p>
+            <a:pPr algn="r"/>
+            <a:endParaRPr lang="en-US" sz="2200" dirty="0"/>
           </a:p>
         </p:txBody>
       </p:sp>
